--- a/Analisador de complexidade algorítmica.pptx
+++ b/Analisador de complexidade algorítmica.pptx
@@ -118,13 +118,18 @@
       </a:defRPr>
     </a:lvl9pPr>
   </p:defaultTextStyle>
+  <p:extLst>
+    <p:ext uri="{EFAFB233-063F-42B5-8137-9DF3F51BA10A}">
+      <p15:sldGuideLst xmlns:p15="http://schemas.microsoft.com/office/powerpoint/2012/main"/>
+    </p:ext>
+  </p:extLst>
 </p:presentation>
 </file>
 
 <file path=ppt/revisionInfo.xml><?xml version="1.0" encoding="utf-8"?>
 <p1510:revInfo xmlns:a="http://schemas.openxmlformats.org/drawingml/2006/main" xmlns:r="http://schemas.openxmlformats.org/officeDocument/2006/relationships" xmlns:p1510="http://schemas.microsoft.com/office/powerpoint/2015/10/main">
   <p1510:revLst>
-    <p1510:client id="{495D8418-7276-4ED4-BA64-197A1D999D71}" v="22" dt="2025-08-11T01:35:24.514"/>
+    <p1510:client id="{495D8418-7276-4ED4-BA64-197A1D999D71}" v="29" dt="2025-08-11T01:41:27.955"/>
   </p1510:revLst>
 </p1510:revInfo>
 </file>
@@ -134,10 +139,25 @@
   <pc:docChgLst>
     <pc:chgData name="Rodrigo Lima dos Santos" userId="a5d39c0b0b915dfc" providerId="LiveId" clId="{495D8418-7276-4ED4-BA64-197A1D999D71}"/>
     <pc:docChg chg="undo custSel addSld modSld">
-      <pc:chgData name="Rodrigo Lima dos Santos" userId="a5d39c0b0b915dfc" providerId="LiveId" clId="{495D8418-7276-4ED4-BA64-197A1D999D71}" dt="2025-08-11T01:35:24.511" v="513" actId="20577"/>
+      <pc:chgData name="Rodrigo Lima dos Santos" userId="a5d39c0b0b915dfc" providerId="LiveId" clId="{495D8418-7276-4ED4-BA64-197A1D999D71}" dt="2025-08-11T01:41:27.955" v="553" actId="14100"/>
       <pc:docMkLst>
         <pc:docMk/>
       </pc:docMkLst>
+      <pc:sldChg chg="addSp modSp">
+        <pc:chgData name="Rodrigo Lima dos Santos" userId="a5d39c0b0b915dfc" providerId="LiveId" clId="{495D8418-7276-4ED4-BA64-197A1D999D71}" dt="2025-08-11T01:40:35.789" v="516" actId="1076"/>
+        <pc:sldMkLst>
+          <pc:docMk/>
+          <pc:sldMk cId="2862300042" sldId="261"/>
+        </pc:sldMkLst>
+        <pc:picChg chg="add mod">
+          <ac:chgData name="Rodrigo Lima dos Santos" userId="a5d39c0b0b915dfc" providerId="LiveId" clId="{495D8418-7276-4ED4-BA64-197A1D999D71}" dt="2025-08-11T01:40:35.789" v="516" actId="1076"/>
+          <ac:picMkLst>
+            <pc:docMk/>
+            <pc:sldMk cId="2862300042" sldId="261"/>
+            <ac:picMk id="1026" creationId="{967795E4-0997-BC10-97B3-F2D70CE2890C}"/>
+          </ac:picMkLst>
+        </pc:picChg>
+      </pc:sldChg>
       <pc:sldChg chg="addSp modSp mod modNotesTx">
         <pc:chgData name="Rodrigo Lima dos Santos" userId="a5d39c0b0b915dfc" providerId="LiveId" clId="{495D8418-7276-4ED4-BA64-197A1D999D71}" dt="2025-08-11T01:34:46.154" v="499" actId="1076"/>
         <pc:sldMkLst>
@@ -177,8 +197,8 @@
           </ac:spMkLst>
         </pc:spChg>
       </pc:sldChg>
-      <pc:sldChg chg="addSp delSp new mod">
-        <pc:chgData name="Rodrigo Lima dos Santos" userId="a5d39c0b0b915dfc" providerId="LiveId" clId="{495D8418-7276-4ED4-BA64-197A1D999D71}" dt="2025-08-11T00:32:23.186" v="3" actId="478"/>
+      <pc:sldChg chg="addSp delSp modSp new mod chgLayout">
+        <pc:chgData name="Rodrigo Lima dos Santos" userId="a5d39c0b0b915dfc" providerId="LiveId" clId="{495D8418-7276-4ED4-BA64-197A1D999D71}" dt="2025-08-11T01:41:27.955" v="553" actId="14100"/>
         <pc:sldMkLst>
           <pc:docMk/>
           <pc:sldMk cId="3427148575" sldId="265"/>
@@ -191,6 +211,14 @@
             <ac:spMk id="2" creationId="{BAF95A95-1F8D-B06E-9190-A7D9BFEAA2FD}"/>
           </ac:spMkLst>
         </pc:spChg>
+        <pc:spChg chg="add mod">
+          <ac:chgData name="Rodrigo Lima dos Santos" userId="a5d39c0b0b915dfc" providerId="LiveId" clId="{495D8418-7276-4ED4-BA64-197A1D999D71}" dt="2025-08-11T01:41:17.558" v="550" actId="26606"/>
+          <ac:spMkLst>
+            <pc:docMk/>
+            <pc:sldMk cId="3427148575" sldId="265"/>
+            <ac:spMk id="3" creationId="{0EBDA815-2FB3-6DA4-050B-4279CEB1F27D}"/>
+          </ac:spMkLst>
+        </pc:spChg>
         <pc:spChg chg="del">
           <ac:chgData name="Rodrigo Lima dos Santos" userId="a5d39c0b0b915dfc" providerId="LiveId" clId="{495D8418-7276-4ED4-BA64-197A1D999D71}" dt="2025-08-11T00:32:23.186" v="3" actId="478"/>
           <ac:spMkLst>
@@ -199,8 +227,8 @@
             <ac:spMk id="3" creationId="{A0A2BBF7-847C-FA2B-860F-2478ADCFDE64}"/>
           </ac:spMkLst>
         </pc:spChg>
-        <pc:picChg chg="add">
-          <ac:chgData name="Rodrigo Lima dos Santos" userId="a5d39c0b0b915dfc" providerId="LiveId" clId="{495D8418-7276-4ED4-BA64-197A1D999D71}" dt="2025-08-11T00:32:20.224" v="1"/>
+        <pc:picChg chg="add mod ord">
+          <ac:chgData name="Rodrigo Lima dos Santos" userId="a5d39c0b0b915dfc" providerId="LiveId" clId="{495D8418-7276-4ED4-BA64-197A1D999D71}" dt="2025-08-11T01:41:27.955" v="553" actId="14100"/>
           <ac:picMkLst>
             <pc:docMk/>
             <pc:sldMk cId="3427148575" sldId="265"/>
@@ -27694,6 +27722,53 @@
           </a:prstGeom>
         </p:spPr>
       </p:pic>
+      <p:pic>
+        <p:nvPicPr>
+          <p:cNvPr id="1026" name="Picture 2" descr="Fatorial: Definição e Operações Com Exemplos - Matemática Básica">
+            <a:extLst>
+              <a:ext uri="{FF2B5EF4-FFF2-40B4-BE49-F238E27FC236}">
+                <a16:creationId xmlns:a16="http://schemas.microsoft.com/office/drawing/2014/main" id="{967795E4-0997-BC10-97B3-F2D70CE2890C}"/>
+              </a:ext>
+            </a:extLst>
+          </p:cNvPr>
+          <p:cNvPicPr>
+            <a:picLocks noChangeAspect="1" noChangeArrowheads="1"/>
+          </p:cNvPicPr>
+          <p:nvPr/>
+        </p:nvPicPr>
+        <p:blipFill>
+          <a:blip r:embed="rId3">
+            <a:extLst>
+              <a:ext uri="{28A0092B-C50C-407E-A947-70E740481C1C}">
+                <a14:useLocalDpi xmlns:a14="http://schemas.microsoft.com/office/drawing/2010/main" val="0"/>
+              </a:ext>
+            </a:extLst>
+          </a:blip>
+          <a:srcRect/>
+          <a:stretch>
+            <a:fillRect/>
+          </a:stretch>
+        </p:blipFill>
+        <p:spPr bwMode="auto">
+          <a:xfrm>
+            <a:off x="2808991" y="4796469"/>
+            <a:ext cx="3708092" cy="1947231"/>
+          </a:xfrm>
+          <a:prstGeom prst="rect">
+            <a:avLst/>
+          </a:prstGeom>
+          <a:noFill/>
+          <a:extLst>
+            <a:ext uri="{909E8E84-426E-40DD-AFC4-6F175D3DCCD1}">
+              <a14:hiddenFill xmlns:a14="http://schemas.microsoft.com/office/drawing/2010/main">
+                <a:solidFill>
+                  <a:srgbClr val="FFFFFF"/>
+                </a:solidFill>
+              </a14:hiddenFill>
+            </a:ext>
+          </a:extLst>
+        </p:spPr>
+      </p:pic>
     </p:spTree>
     <p:extLst>
       <p:ext uri="{BB962C8B-B14F-4D97-AF65-F5344CB8AC3E}">
@@ -28156,6 +28231,59 @@
           <a:chExt cx="0" cy="0"/>
         </a:xfrm>
       </p:grpSpPr>
+      <p:sp>
+        <p:nvSpPr>
+          <p:cNvPr id="3" name="CaixaDeTexto 2">
+            <a:extLst>
+              <a:ext uri="{FF2B5EF4-FFF2-40B4-BE49-F238E27FC236}">
+                <a16:creationId xmlns:a16="http://schemas.microsoft.com/office/drawing/2014/main" id="{0EBDA815-2FB3-6DA4-050B-4279CEB1F27D}"/>
+              </a:ext>
+            </a:extLst>
+          </p:cNvPr>
+          <p:cNvSpPr txBox="1"/>
+          <p:nvPr/>
+        </p:nvSpPr>
+        <p:spPr>
+          <a:xfrm>
+            <a:off x="658368" y="2103120"/>
+            <a:ext cx="3666744" cy="2624328"/>
+          </a:xfrm>
+          <a:prstGeom prst="rect">
+            <a:avLst/>
+          </a:prstGeom>
+          <a:noFill/>
+        </p:spPr>
+        <p:txBody>
+          <a:bodyPr vert="horz" lIns="91440" tIns="45720" rIns="91440" bIns="45720" rtlCol="0" anchor="ctr">
+            <a:normAutofit/>
+          </a:bodyPr>
+          <a:lstStyle/>
+          <a:p>
+            <a:pPr algn="ctr">
+              <a:lnSpc>
+                <a:spcPct val="90000"/>
+              </a:lnSpc>
+              <a:spcBef>
+                <a:spcPct val="0"/>
+              </a:spcBef>
+              <a:spcAft>
+                <a:spcPts val="600"/>
+              </a:spcAft>
+            </a:pPr>
+            <a:r>
+              <a:rPr lang="en-US" sz="4800" b="0" kern="1200">
+                <a:solidFill>
+                  <a:schemeClr val="bg1"/>
+                </a:solidFill>
+                <a:latin typeface="+mj-lt"/>
+                <a:ea typeface="+mj-ea"/>
+                <a:cs typeface="+mj-cs"/>
+              </a:rPr>
+              <a:t>Diagrama de sequência</a:t>
+            </a:r>
+          </a:p>
+        </p:txBody>
+      </p:sp>
       <p:pic>
         <p:nvPicPr>
           <p:cNvPr id="7170" name="Picture 2">
@@ -28178,20 +28306,22 @@
               </a:ext>
             </a:extLst>
           </a:blip>
-          <a:srcRect/>
+          <a:srcRect r="3" b="688"/>
           <a:stretch>
             <a:fillRect/>
           </a:stretch>
         </p:blipFill>
         <p:spPr bwMode="auto">
           <a:xfrm>
-            <a:off x="2416175" y="0"/>
-            <a:ext cx="7358063" cy="6858000"/>
+            <a:off x="4779744" y="0"/>
+            <a:ext cx="7412255" cy="6864547"/>
           </a:xfrm>
           <a:prstGeom prst="rect">
             <a:avLst/>
           </a:prstGeom>
-          <a:noFill/>
+          <a:solidFill>
+            <a:srgbClr val="FFFFFF"/>
+          </a:solidFill>
           <a:extLst>
             <a:ext uri="{909E8E84-426E-40DD-AFC4-6F175D3DCCD1}">
               <a14:hiddenFill xmlns:a14="http://schemas.microsoft.com/office/drawing/2010/main">
